--- a/Apresentação.pptx
+++ b/Apresentação.pptx
@@ -5,21 +5,19 @@
     <p:sldMasterId id="2147483648" r:id="rId4"/>
   </p:sldMasterIdLst>
   <p:notesMasterIdLst>
-    <p:notesMasterId r:id="rId14"/>
+    <p:notesMasterId r:id="rId12"/>
   </p:notesMasterIdLst>
   <p:handoutMasterIdLst>
-    <p:handoutMasterId r:id="rId15"/>
+    <p:handoutMasterId r:id="rId13"/>
   </p:handoutMasterIdLst>
   <p:sldIdLst>
     <p:sldId id="256" r:id="rId5"/>
     <p:sldId id="265" r:id="rId6"/>
-    <p:sldId id="266" r:id="rId7"/>
-    <p:sldId id="267" r:id="rId8"/>
-    <p:sldId id="279" r:id="rId9"/>
-    <p:sldId id="280" r:id="rId10"/>
-    <p:sldId id="276" r:id="rId11"/>
-    <p:sldId id="277" r:id="rId12"/>
-    <p:sldId id="281" r:id="rId13"/>
+    <p:sldId id="282" r:id="rId7"/>
+    <p:sldId id="283" r:id="rId8"/>
+    <p:sldId id="284" r:id="rId9"/>
+    <p:sldId id="266" r:id="rId10"/>
+    <p:sldId id="285" r:id="rId11"/>
   </p:sldIdLst>
   <p:sldSz cx="12192000" cy="6858000"/>
   <p:notesSz cx="6858000" cy="9144000"/>
@@ -222,7 +220,7 @@
           <a:p>
             <a:fld id="{762B48F5-BACC-47D6-A0F7-82FBF9C6BC85}" type="datetimeFigureOut">
               <a:rPr lang="pt-BR"/>
-              <a:t>01/12/2016</a:t>
+              <a:t>12/12/2016</a:t>
             </a:fld>
             <a:endParaRPr lang="pt-BR" dirty="0"/>
           </a:p>
@@ -387,7 +385,7 @@
           <a:p>
             <a:fld id="{0CB1CD00-5424-4675-AB18-2C419B060449}" type="datetimeFigureOut">
               <a:rPr lang="pt-BR"/>
-              <a:t>01/12/2016</a:t>
+              <a:t>12/12/2016</a:t>
             </a:fld>
             <a:endParaRPr lang="pt-BR" dirty="0"/>
           </a:p>
@@ -887,7 +885,7 @@
           <a:p>
             <a:fld id="{5EE2CF44-2B13-41B4-A334-1CDF534EEBBF}" type="slidenum">
               <a:rPr lang="pt-BR"/>
-              <a:t>3</a:t>
+              <a:t>6</a:t>
             </a:fld>
             <a:endParaRPr lang="pt-BR"/>
           </a:p>
@@ -897,426 +895,6 @@
     <p:extLst>
       <p:ext uri="{BB962C8B-B14F-4D97-AF65-F5344CB8AC3E}">
         <p14:creationId xmlns:p14="http://schemas.microsoft.com/office/powerpoint/2010/main" val="2487930100"/>
-      </p:ext>
-    </p:extLst>
-  </p:cSld>
-  <p:clrMapOvr>
-    <a:masterClrMapping/>
-  </p:clrMapOvr>
-</p:notes>
-</file>
-
-<file path=ppt/notesSlides/notesSlide4.xml><?xml version="1.0" encoding="utf-8"?>
-<p:notes xmlns:a="http://schemas.openxmlformats.org/drawingml/2006/main" xmlns:r="http://schemas.openxmlformats.org/officeDocument/2006/relationships" xmlns:p="http://schemas.openxmlformats.org/presentationml/2006/main">
-  <p:cSld>
-    <p:spTree>
-      <p:nvGrpSpPr>
-        <p:cNvPr id="1" name=""/>
-        <p:cNvGrpSpPr/>
-        <p:nvPr/>
-      </p:nvGrpSpPr>
-      <p:grpSpPr>
-        <a:xfrm>
-          <a:off x="0" y="0"/>
-          <a:ext cx="0" cy="0"/>
-          <a:chOff x="0" y="0"/>
-          <a:chExt cx="0" cy="0"/>
-        </a:xfrm>
-      </p:grpSpPr>
-      <p:sp>
-        <p:nvSpPr>
-          <p:cNvPr id="2" name="Espaço reservado para a imagem do slide 1"/>
-          <p:cNvSpPr>
-            <a:spLocks noGrp="1" noRot="1" noChangeAspect="1"/>
-          </p:cNvSpPr>
-          <p:nvPr>
-            <p:ph type="sldImg"/>
-          </p:nvPr>
-        </p:nvSpPr>
-        <p:spPr/>
-      </p:sp>
-      <p:sp>
-        <p:nvSpPr>
-          <p:cNvPr id="3" name="Espaço reservado para observações 2"/>
-          <p:cNvSpPr>
-            <a:spLocks noGrp="1"/>
-          </p:cNvSpPr>
-          <p:nvPr>
-            <p:ph type="body" idx="1"/>
-          </p:nvPr>
-        </p:nvSpPr>
-        <p:spPr/>
-        <p:txBody>
-          <a:bodyPr/>
-          <a:lstStyle/>
-          <a:p>
-            <a:endParaRPr lang="pt-BR"/>
-          </a:p>
-        </p:txBody>
-      </p:sp>
-      <p:sp>
-        <p:nvSpPr>
-          <p:cNvPr id="4" name="Espaço reservado do número do Slide3"/>
-          <p:cNvSpPr>
-            <a:spLocks noGrp="1"/>
-          </p:cNvSpPr>
-          <p:nvPr>
-            <p:ph type="sldNum" sz="quarter" idx="10"/>
-          </p:nvPr>
-        </p:nvSpPr>
-        <p:spPr/>
-        <p:txBody>
-          <a:bodyPr/>
-          <a:lstStyle/>
-          <a:p>
-            <a:fld id="{5EE2CF44-2B13-41B4-A334-1CDF534EEBBF}" type="slidenum">
-              <a:rPr lang="pt-BR"/>
-              <a:t>4</a:t>
-            </a:fld>
-            <a:endParaRPr lang="pt-BR"/>
-          </a:p>
-        </p:txBody>
-      </p:sp>
-    </p:spTree>
-    <p:extLst>
-      <p:ext uri="{BB962C8B-B14F-4D97-AF65-F5344CB8AC3E}">
-        <p14:creationId xmlns:p14="http://schemas.microsoft.com/office/powerpoint/2010/main" val="211332794"/>
-      </p:ext>
-    </p:extLst>
-  </p:cSld>
-  <p:clrMapOvr>
-    <a:masterClrMapping/>
-  </p:clrMapOvr>
-</p:notes>
-</file>
-
-<file path=ppt/notesSlides/notesSlide5.xml><?xml version="1.0" encoding="utf-8"?>
-<p:notes xmlns:a="http://schemas.openxmlformats.org/drawingml/2006/main" xmlns:r="http://schemas.openxmlformats.org/officeDocument/2006/relationships" xmlns:p="http://schemas.openxmlformats.org/presentationml/2006/main">
-  <p:cSld>
-    <p:spTree>
-      <p:nvGrpSpPr>
-        <p:cNvPr id="1" name=""/>
-        <p:cNvGrpSpPr/>
-        <p:nvPr/>
-      </p:nvGrpSpPr>
-      <p:grpSpPr>
-        <a:xfrm>
-          <a:off x="0" y="0"/>
-          <a:ext cx="0" cy="0"/>
-          <a:chOff x="0" y="0"/>
-          <a:chExt cx="0" cy="0"/>
-        </a:xfrm>
-      </p:grpSpPr>
-      <p:sp>
-        <p:nvSpPr>
-          <p:cNvPr id="2" name="Espaço reservado para a imagem do slide 1"/>
-          <p:cNvSpPr>
-            <a:spLocks noGrp="1" noRot="1" noChangeAspect="1"/>
-          </p:cNvSpPr>
-          <p:nvPr>
-            <p:ph type="sldImg"/>
-          </p:nvPr>
-        </p:nvSpPr>
-        <p:spPr/>
-      </p:sp>
-      <p:sp>
-        <p:nvSpPr>
-          <p:cNvPr id="3" name="Espaço reservado para observações 2"/>
-          <p:cNvSpPr>
-            <a:spLocks noGrp="1"/>
-          </p:cNvSpPr>
-          <p:nvPr>
-            <p:ph type="body" idx="1"/>
-          </p:nvPr>
-        </p:nvSpPr>
-        <p:spPr/>
-        <p:txBody>
-          <a:bodyPr/>
-          <a:lstStyle/>
-          <a:p>
-            <a:endParaRPr lang="pt-BR"/>
-          </a:p>
-        </p:txBody>
-      </p:sp>
-      <p:sp>
-        <p:nvSpPr>
-          <p:cNvPr id="4" name="Espaço reservado do número do Slide3"/>
-          <p:cNvSpPr>
-            <a:spLocks noGrp="1"/>
-          </p:cNvSpPr>
-          <p:nvPr>
-            <p:ph type="sldNum" sz="quarter" idx="10"/>
-          </p:nvPr>
-        </p:nvSpPr>
-        <p:spPr/>
-        <p:txBody>
-          <a:bodyPr/>
-          <a:lstStyle/>
-          <a:p>
-            <a:fld id="{5EE2CF44-2B13-41B4-A334-1CDF534EEBBF}" type="slidenum">
-              <a:rPr lang="pt-BR"/>
-              <a:t>5</a:t>
-            </a:fld>
-            <a:endParaRPr lang="pt-BR"/>
-          </a:p>
-        </p:txBody>
-      </p:sp>
-    </p:spTree>
-    <p:extLst>
-      <p:ext uri="{BB962C8B-B14F-4D97-AF65-F5344CB8AC3E}">
-        <p14:creationId xmlns:p14="http://schemas.microsoft.com/office/powerpoint/2010/main" val="4087325963"/>
-      </p:ext>
-    </p:extLst>
-  </p:cSld>
-  <p:clrMapOvr>
-    <a:masterClrMapping/>
-  </p:clrMapOvr>
-</p:notes>
-</file>
-
-<file path=ppt/notesSlides/notesSlide6.xml><?xml version="1.0" encoding="utf-8"?>
-<p:notes xmlns:a="http://schemas.openxmlformats.org/drawingml/2006/main" xmlns:r="http://schemas.openxmlformats.org/officeDocument/2006/relationships" xmlns:p="http://schemas.openxmlformats.org/presentationml/2006/main">
-  <p:cSld>
-    <p:spTree>
-      <p:nvGrpSpPr>
-        <p:cNvPr id="1" name=""/>
-        <p:cNvGrpSpPr/>
-        <p:nvPr/>
-      </p:nvGrpSpPr>
-      <p:grpSpPr>
-        <a:xfrm>
-          <a:off x="0" y="0"/>
-          <a:ext cx="0" cy="0"/>
-          <a:chOff x="0" y="0"/>
-          <a:chExt cx="0" cy="0"/>
-        </a:xfrm>
-      </p:grpSpPr>
-      <p:sp>
-        <p:nvSpPr>
-          <p:cNvPr id="2" name="Espaço reservado para a imagem do slide 1"/>
-          <p:cNvSpPr>
-            <a:spLocks noGrp="1" noRot="1" noChangeAspect="1"/>
-          </p:cNvSpPr>
-          <p:nvPr>
-            <p:ph type="sldImg"/>
-          </p:nvPr>
-        </p:nvSpPr>
-        <p:spPr/>
-      </p:sp>
-      <p:sp>
-        <p:nvSpPr>
-          <p:cNvPr id="3" name="Espaço reservado para observações 2"/>
-          <p:cNvSpPr>
-            <a:spLocks noGrp="1"/>
-          </p:cNvSpPr>
-          <p:nvPr>
-            <p:ph type="body" idx="1"/>
-          </p:nvPr>
-        </p:nvSpPr>
-        <p:spPr/>
-        <p:txBody>
-          <a:bodyPr/>
-          <a:lstStyle/>
-          <a:p>
-            <a:endParaRPr lang="pt-BR"/>
-          </a:p>
-        </p:txBody>
-      </p:sp>
-      <p:sp>
-        <p:nvSpPr>
-          <p:cNvPr id="4" name="Espaço reservado do número do Slide3"/>
-          <p:cNvSpPr>
-            <a:spLocks noGrp="1"/>
-          </p:cNvSpPr>
-          <p:nvPr>
-            <p:ph type="sldNum" sz="quarter" idx="10"/>
-          </p:nvPr>
-        </p:nvSpPr>
-        <p:spPr/>
-        <p:txBody>
-          <a:bodyPr/>
-          <a:lstStyle/>
-          <a:p>
-            <a:fld id="{5EE2CF44-2B13-41B4-A334-1CDF534EEBBF}" type="slidenum">
-              <a:rPr lang="pt-BR"/>
-              <a:t>6</a:t>
-            </a:fld>
-            <a:endParaRPr lang="pt-BR"/>
-          </a:p>
-        </p:txBody>
-      </p:sp>
-    </p:spTree>
-    <p:extLst>
-      <p:ext uri="{BB962C8B-B14F-4D97-AF65-F5344CB8AC3E}">
-        <p14:creationId xmlns:p14="http://schemas.microsoft.com/office/powerpoint/2010/main" val="1755987047"/>
-      </p:ext>
-    </p:extLst>
-  </p:cSld>
-  <p:clrMapOvr>
-    <a:masterClrMapping/>
-  </p:clrMapOvr>
-</p:notes>
-</file>
-
-<file path=ppt/notesSlides/notesSlide7.xml><?xml version="1.0" encoding="utf-8"?>
-<p:notes xmlns:a="http://schemas.openxmlformats.org/drawingml/2006/main" xmlns:r="http://schemas.openxmlformats.org/officeDocument/2006/relationships" xmlns:p="http://schemas.openxmlformats.org/presentationml/2006/main">
-  <p:cSld>
-    <p:spTree>
-      <p:nvGrpSpPr>
-        <p:cNvPr id="1" name=""/>
-        <p:cNvGrpSpPr/>
-        <p:nvPr/>
-      </p:nvGrpSpPr>
-      <p:grpSpPr>
-        <a:xfrm>
-          <a:off x="0" y="0"/>
-          <a:ext cx="0" cy="0"/>
-          <a:chOff x="0" y="0"/>
-          <a:chExt cx="0" cy="0"/>
-        </a:xfrm>
-      </p:grpSpPr>
-      <p:sp>
-        <p:nvSpPr>
-          <p:cNvPr id="2" name="Espaço reservado para a imagem do slide 1"/>
-          <p:cNvSpPr>
-            <a:spLocks noGrp="1" noRot="1" noChangeAspect="1"/>
-          </p:cNvSpPr>
-          <p:nvPr>
-            <p:ph type="sldImg"/>
-          </p:nvPr>
-        </p:nvSpPr>
-        <p:spPr/>
-      </p:sp>
-      <p:sp>
-        <p:nvSpPr>
-          <p:cNvPr id="3" name="Espaço reservado para observações 2"/>
-          <p:cNvSpPr>
-            <a:spLocks noGrp="1"/>
-          </p:cNvSpPr>
-          <p:nvPr>
-            <p:ph type="body" idx="1"/>
-          </p:nvPr>
-        </p:nvSpPr>
-        <p:spPr/>
-        <p:txBody>
-          <a:bodyPr/>
-          <a:lstStyle/>
-          <a:p>
-            <a:endParaRPr lang="pt-BR"/>
-          </a:p>
-        </p:txBody>
-      </p:sp>
-      <p:sp>
-        <p:nvSpPr>
-          <p:cNvPr id="4" name="Espaço reservado do número do Slide3"/>
-          <p:cNvSpPr>
-            <a:spLocks noGrp="1"/>
-          </p:cNvSpPr>
-          <p:nvPr>
-            <p:ph type="sldNum" sz="quarter" idx="10"/>
-          </p:nvPr>
-        </p:nvSpPr>
-        <p:spPr/>
-        <p:txBody>
-          <a:bodyPr/>
-          <a:lstStyle/>
-          <a:p>
-            <a:fld id="{5EE2CF44-2B13-41B4-A334-1CDF534EEBBF}" type="slidenum">
-              <a:rPr lang="pt-BR"/>
-              <a:t>7</a:t>
-            </a:fld>
-            <a:endParaRPr lang="pt-BR"/>
-          </a:p>
-        </p:txBody>
-      </p:sp>
-    </p:spTree>
-    <p:extLst>
-      <p:ext uri="{BB962C8B-B14F-4D97-AF65-F5344CB8AC3E}">
-        <p14:creationId xmlns:p14="http://schemas.microsoft.com/office/powerpoint/2010/main" val="2075504299"/>
-      </p:ext>
-    </p:extLst>
-  </p:cSld>
-  <p:clrMapOvr>
-    <a:masterClrMapping/>
-  </p:clrMapOvr>
-</p:notes>
-</file>
-
-<file path=ppt/notesSlides/notesSlide8.xml><?xml version="1.0" encoding="utf-8"?>
-<p:notes xmlns:a="http://schemas.openxmlformats.org/drawingml/2006/main" xmlns:r="http://schemas.openxmlformats.org/officeDocument/2006/relationships" xmlns:p="http://schemas.openxmlformats.org/presentationml/2006/main">
-  <p:cSld>
-    <p:spTree>
-      <p:nvGrpSpPr>
-        <p:cNvPr id="1" name=""/>
-        <p:cNvGrpSpPr/>
-        <p:nvPr/>
-      </p:nvGrpSpPr>
-      <p:grpSpPr>
-        <a:xfrm>
-          <a:off x="0" y="0"/>
-          <a:ext cx="0" cy="0"/>
-          <a:chOff x="0" y="0"/>
-          <a:chExt cx="0" cy="0"/>
-        </a:xfrm>
-      </p:grpSpPr>
-      <p:sp>
-        <p:nvSpPr>
-          <p:cNvPr id="2" name="Espaço reservado para a imagem do slide 1"/>
-          <p:cNvSpPr>
-            <a:spLocks noGrp="1" noRot="1" noChangeAspect="1"/>
-          </p:cNvSpPr>
-          <p:nvPr>
-            <p:ph type="sldImg"/>
-          </p:nvPr>
-        </p:nvSpPr>
-        <p:spPr/>
-      </p:sp>
-      <p:sp>
-        <p:nvSpPr>
-          <p:cNvPr id="3" name="Espaço reservado para observações 2"/>
-          <p:cNvSpPr>
-            <a:spLocks noGrp="1"/>
-          </p:cNvSpPr>
-          <p:nvPr>
-            <p:ph type="body" idx="1"/>
-          </p:nvPr>
-        </p:nvSpPr>
-        <p:spPr/>
-        <p:txBody>
-          <a:bodyPr/>
-          <a:lstStyle/>
-          <a:p>
-            <a:endParaRPr lang="pt-BR"/>
-          </a:p>
-        </p:txBody>
-      </p:sp>
-      <p:sp>
-        <p:nvSpPr>
-          <p:cNvPr id="4" name="Espaço reservado do número do Slide3"/>
-          <p:cNvSpPr>
-            <a:spLocks noGrp="1"/>
-          </p:cNvSpPr>
-          <p:nvPr>
-            <p:ph type="sldNum" sz="quarter" idx="10"/>
-          </p:nvPr>
-        </p:nvSpPr>
-        <p:spPr/>
-        <p:txBody>
-          <a:bodyPr/>
-          <a:lstStyle/>
-          <a:p>
-            <a:fld id="{5EE2CF44-2B13-41B4-A334-1CDF534EEBBF}" type="slidenum">
-              <a:rPr lang="pt-BR"/>
-              <a:t>8</a:t>
-            </a:fld>
-            <a:endParaRPr lang="pt-BR"/>
-          </a:p>
-        </p:txBody>
-      </p:sp>
-    </p:spTree>
-    <p:extLst>
-      <p:ext uri="{BB962C8B-B14F-4D97-AF65-F5344CB8AC3E}">
-        <p14:creationId xmlns:p14="http://schemas.microsoft.com/office/powerpoint/2010/main" val="2119936846"/>
       </p:ext>
     </p:extLst>
   </p:cSld>
@@ -1699,7 +1277,7 @@
           <a:p>
             <a:fld id="{37CC0096-1860-4642-9CD2-0079EA5E7CD1}" type="datetimeFigureOut">
               <a:rPr lang="pt-BR"/>
-              <a:t>01/12/2016</a:t>
+              <a:t>12/12/2016</a:t>
             </a:fld>
             <a:endParaRPr lang="pt-BR" dirty="0"/>
           </a:p>
@@ -1889,7 +1467,7 @@
           <a:p>
             <a:fld id="{37CC0096-1860-4642-9CD2-0079EA5E7CD1}" type="datetimeFigureOut">
               <a:rPr lang="pt-BR"/>
-              <a:t>01/12/2016</a:t>
+              <a:t>12/12/2016</a:t>
             </a:fld>
             <a:endParaRPr lang="pt-BR" dirty="0"/>
           </a:p>
@@ -2073,7 +1651,7 @@
           <a:p>
             <a:fld id="{37CC0096-1860-4642-9CD2-0079EA5E7CD1}" type="datetimeFigureOut">
               <a:rPr lang="pt-BR"/>
-              <a:t>01/12/2016</a:t>
+              <a:t>12/12/2016</a:t>
             </a:fld>
             <a:endParaRPr lang="pt-BR" dirty="0"/>
           </a:p>
@@ -2528,7 +2106,7 @@
           <a:p>
             <a:fld id="{37CC0096-1860-4642-9CD2-0079EA5E7CD1}" type="datetimeFigureOut">
               <a:rPr lang="pt-BR"/>
-              <a:t>01/12/2016</a:t>
+              <a:t>12/12/2016</a:t>
             </a:fld>
             <a:endParaRPr lang="pt-BR" dirty="0"/>
           </a:p>
@@ -2977,7 +2555,7 @@
           <a:p>
             <a:fld id="{37CC0096-1860-4642-9CD2-0079EA5E7CD1}" type="datetimeFigureOut">
               <a:rPr lang="pt-BR"/>
-              <a:t>01/12/2016</a:t>
+              <a:t>12/12/2016</a:t>
             </a:fld>
             <a:endParaRPr lang="pt-BR" dirty="0"/>
           </a:p>
@@ -3106,7 +2684,7 @@
           <a:p>
             <a:fld id="{37CC0096-1860-4642-9CD2-0079EA5E7CD1}" type="datetimeFigureOut">
               <a:rPr lang="pt-BR"/>
-              <a:t>01/12/2016</a:t>
+              <a:t>12/12/2016</a:t>
             </a:fld>
             <a:endParaRPr lang="pt-BR" dirty="0"/>
           </a:p>
@@ -3213,7 +2791,7 @@
           <a:p>
             <a:fld id="{37CC0096-1860-4642-9CD2-0079EA5E7CD1}" type="datetimeFigureOut">
               <a:rPr lang="pt-BR"/>
-              <a:t>01/12/2016</a:t>
+              <a:t>12/12/2016</a:t>
             </a:fld>
             <a:endParaRPr lang="pt-BR" dirty="0"/>
           </a:p>
@@ -3507,7 +3085,7 @@
           <a:p>
             <a:fld id="{37CC0096-1860-4642-9CD2-0079EA5E7CD1}" type="datetimeFigureOut">
               <a:rPr lang="pt-BR"/>
-              <a:t>01/12/2016</a:t>
+              <a:t>12/12/2016</a:t>
             </a:fld>
             <a:endParaRPr lang="pt-BR" dirty="0"/>
           </a:p>
@@ -3830,7 +3408,7 @@
           <a:p>
             <a:fld id="{37CC0096-1860-4642-9CD2-0079EA5E7CD1}" type="datetimeFigureOut">
               <a:rPr lang="pt-BR"/>
-              <a:t>01/12/2016</a:t>
+              <a:t>12/12/2016</a:t>
             </a:fld>
             <a:endParaRPr lang="pt-BR" dirty="0"/>
           </a:p>
@@ -4054,7 +3632,7 @@
             <a:fld id="{37CC0096-1860-4642-9CD2-0079EA5E7CD1}" type="datetimeFigureOut">
               <a:rPr lang="pt-BR"/>
               <a:pPr/>
-              <a:t>01/12/2016</a:t>
+              <a:t>12/12/2016</a:t>
             </a:fld>
             <a:endParaRPr lang="pt-BR" dirty="0"/>
           </a:p>
@@ -4541,9 +4119,10 @@
           <a:lstStyle/>
           <a:p>
             <a:r>
-              <a:rPr lang="pt-BR" dirty="0"/>
-              <a:t>Sistema Acadêmico</a:t>
-            </a:r>
+              <a:rPr lang="pt-BR" dirty="0" smtClean="0"/>
+              <a:t>Mineração de Dados em Redes Sociais</a:t>
+            </a:r>
+            <a:endParaRPr lang="pt-BR" dirty="0"/>
           </a:p>
         </p:txBody>
       </p:sp>
@@ -4660,21 +4239,24 @@
           <a:lstStyle/>
           <a:p>
             <a:r>
-              <a:rPr lang="pt-BR" dirty="0"/>
-              <a:t>Introdução</a:t>
-            </a:r>
-          </a:p>
-          <a:p>
-            <a:r>
-              <a:rPr lang="pt-BR" dirty="0"/>
-              <a:t>Motivação</a:t>
-            </a:r>
-          </a:p>
-          <a:p>
-            <a:r>
-              <a:rPr lang="pt-BR" dirty="0" err="1"/>
-              <a:t>Mini-Mundo</a:t>
-            </a:r>
+              <a:rPr lang="pt-BR" dirty="0" smtClean="0"/>
+              <a:t>Ferramentas</a:t>
+            </a:r>
+            <a:endParaRPr lang="pt-BR" dirty="0"/>
+          </a:p>
+          <a:p>
+            <a:r>
+              <a:rPr lang="pt-BR" dirty="0" smtClean="0"/>
+              <a:t>Como Utilizar</a:t>
+            </a:r>
+            <a:endParaRPr lang="pt-BR" dirty="0"/>
+          </a:p>
+          <a:p>
+            <a:r>
+              <a:rPr lang="pt-BR" dirty="0" smtClean="0"/>
+              <a:t>Resultados</a:t>
+            </a:r>
+            <a:endParaRPr lang="pt-BR" dirty="0"/>
           </a:p>
         </p:txBody>
       </p:sp>
@@ -4701,8 +4283,8 @@
         </p:blipFill>
         <p:spPr bwMode="auto">
           <a:xfrm>
-            <a:off x="7162800" y="1028700"/>
-            <a:ext cx="3638550" cy="2247901"/>
+            <a:off x="381000" y="5410200"/>
+            <a:ext cx="1905799" cy="1177405"/>
           </a:xfrm>
           <a:prstGeom prst="rect">
             <a:avLst/>
@@ -4717,6 +4299,30 @@
               </a14:hiddenFill>
             </a:ext>
           </a:extLst>
+        </p:spPr>
+      </p:pic>
+      <p:pic>
+        <p:nvPicPr>
+          <p:cNvPr id="3" name="Imagem 2"/>
+          <p:cNvPicPr>
+            <a:picLocks noChangeAspect="1"/>
+          </p:cNvPicPr>
+          <p:nvPr/>
+        </p:nvPicPr>
+        <p:blipFill>
+          <a:blip r:embed="rId4"/>
+          <a:stretch>
+            <a:fillRect/>
+          </a:stretch>
+        </p:blipFill>
+        <p:spPr>
+          <a:xfrm>
+            <a:off x="4061346" y="1337195"/>
+            <a:ext cx="7772400" cy="4162425"/>
+          </a:xfrm>
+          <a:prstGeom prst="rect">
+            <a:avLst/>
+          </a:prstGeom>
         </p:spPr>
       </p:pic>
     </p:spTree>
@@ -4780,52 +4386,110 @@
         </p:nvSpPr>
         <p:spPr/>
         <p:txBody>
-          <a:bodyPr>
-            <a:normAutofit/>
-          </a:bodyPr>
+          <a:bodyPr/>
           <a:lstStyle/>
           <a:p>
             <a:pPr algn="ctr"/>
             <a:r>
-              <a:rPr lang="pt-BR" dirty="0"/>
-              <a:t>Rascunho Básico da Interface (MOCKUPS)</a:t>
-            </a:r>
-            <a:endParaRPr lang="pt-BR" dirty="0">
-              <a:solidFill>
-                <a:srgbClr val="333333"/>
-              </a:solidFill>
-              <a:latin typeface="Consolas"/>
-            </a:endParaRPr>
+              <a:rPr lang="pt-BR" dirty="0" err="1" smtClean="0"/>
+              <a:t>NodeXL</a:t>
+            </a:r>
+            <a:endParaRPr lang="pt-BR" dirty="0"/>
+          </a:p>
+        </p:txBody>
+      </p:sp>
+      <p:sp>
+        <p:nvSpPr>
+          <p:cNvPr id="3" name="Espaço Reservado para Conteúdo 2"/>
+          <p:cNvSpPr>
+            <a:spLocks noGrp="1"/>
+          </p:cNvSpPr>
+          <p:nvPr>
+            <p:ph idx="1"/>
+          </p:nvPr>
+        </p:nvSpPr>
+        <p:spPr/>
+        <p:txBody>
+          <a:bodyPr/>
+          <a:lstStyle/>
+          <a:p>
+            <a:r>
+              <a:rPr lang="pt-BR" dirty="0" smtClean="0"/>
+              <a:t>É um software gratuito de código aberto que pode ser programado ou ser melhorado por qualquer pessoa.</a:t>
+            </a:r>
+          </a:p>
+          <a:p>
+            <a:r>
+              <a:rPr lang="pt-BR" dirty="0" smtClean="0"/>
+              <a:t>Ele funciona como uma extensão do Excel tornando mais fácil a exploração de gráficos de rede e permite boas visualizações</a:t>
+            </a:r>
+          </a:p>
+          <a:p>
+            <a:r>
+              <a:rPr lang="pt-BR" dirty="0" smtClean="0"/>
+              <a:t>Ele está em constante desenvolvimento e sempre possui novas atualizações com novos recursos ou melhorias.</a:t>
+            </a:r>
+          </a:p>
+          <a:p>
+            <a:r>
+              <a:rPr lang="pt-BR" dirty="0" smtClean="0"/>
+              <a:t>Possui  versões pagas com quantidade de recursos maior</a:t>
+            </a:r>
+          </a:p>
+          <a:p>
+            <a:r>
+              <a:rPr lang="pt-BR" dirty="0" smtClean="0"/>
+              <a:t>Muito fácil de utilizar</a:t>
+            </a:r>
+            <a:endParaRPr lang="pt-BR" dirty="0"/>
           </a:p>
         </p:txBody>
       </p:sp>
       <p:pic>
         <p:nvPicPr>
-          <p:cNvPr id="4" name="Espaço Reservado para Conteúdo 3"/>
+          <p:cNvPr id="1026" name="Picture 2" descr="http://synaptique.uncreated.net/wp-content/uploads/2011/06/NodeXL-Logo.png"/>
           <p:cNvPicPr>
-            <a:picLocks noGrp="1" noChangeAspect="1"/>
+            <a:picLocks noChangeAspect="1" noChangeArrowheads="1"/>
           </p:cNvPicPr>
-          <p:nvPr>
-            <p:ph idx="1"/>
-          </p:nvPr>
+          <p:nvPr/>
         </p:nvPicPr>
         <p:blipFill>
-          <a:blip r:embed="rId3"/>
+          <a:blip r:embed="rId2">
+            <a:extLst>
+              <a:ext uri="{28A0092B-C50C-407E-A947-70E740481C1C}">
+                <a14:useLocalDpi xmlns:a14="http://schemas.microsoft.com/office/drawing/2010/main" val="0"/>
+              </a:ext>
+            </a:extLst>
+          </a:blip>
+          <a:srcRect/>
           <a:stretch>
             <a:fillRect/>
           </a:stretch>
         </p:blipFill>
-        <p:spPr>
+        <p:spPr bwMode="auto">
           <a:xfrm>
-            <a:off x="2228850" y="1685925"/>
-            <a:ext cx="7805181" cy="4937133"/>
+            <a:off x="4724400" y="5617687"/>
+            <a:ext cx="3038475" cy="542926"/>
           </a:xfrm>
+          <a:prstGeom prst="rect">
+            <a:avLst/>
+          </a:prstGeom>
+          <a:noFill/>
+          <a:extLst>
+            <a:ext uri="{909E8E84-426E-40DD-AFC4-6F175D3DCCD1}">
+              <a14:hiddenFill xmlns:a14="http://schemas.microsoft.com/office/drawing/2010/main">
+                <a:solidFill>
+                  <a:srgbClr val="FFFFFF"/>
+                </a:solidFill>
+              </a14:hiddenFill>
+            </a:ext>
+          </a:extLst>
         </p:spPr>
       </p:pic>
     </p:spTree>
     <p:extLst>
       <p:ext uri="{BB962C8B-B14F-4D97-AF65-F5344CB8AC3E}">
-        <p14:creationId xmlns:p14="http://schemas.microsoft.com/office/powerpoint/2010/main" val="2116190161"/>
+        <p14:creationId xmlns:p14="http://schemas.microsoft.com/office/powerpoint/2010/main" val="4147911875"/>
       </p:ext>
     </p:extLst>
   </p:cSld>
@@ -4881,42 +4545,21 @@
             <p:ph type="title"/>
           </p:nvPr>
         </p:nvSpPr>
-        <p:spPr>
-          <a:xfrm>
-            <a:off x="1752600" y="3200400"/>
-            <a:ext cx="9144000" cy="1143000"/>
-          </a:xfrm>
-        </p:spPr>
-        <p:txBody>
-          <a:bodyPr>
-            <a:noAutofit/>
-          </a:bodyPr>
-          <a:lstStyle/>
-          <a:p>
-            <a:pPr algn="ctr"/>
-            <a:r>
-              <a:rPr lang="pt-BR" sz="8800" dirty="0"/>
-              <a:t>Modelo Conceitual</a:t>
-            </a:r>
-          </a:p>
-        </p:txBody>
-      </p:sp>
-      <p:sp>
-        <p:nvSpPr>
-          <p:cNvPr id="6" name="Espaço Reservado para Conteúdo 5"/>
-          <p:cNvSpPr>
-            <a:spLocks noGrp="1"/>
-          </p:cNvSpPr>
-          <p:nvPr>
-            <p:ph sz="half" idx="2"/>
-          </p:nvPr>
-        </p:nvSpPr>
         <p:spPr/>
         <p:txBody>
           <a:bodyPr/>
           <a:lstStyle/>
           <a:p>
-            <a:endParaRPr lang="pt-BR"/>
+            <a:pPr algn="ctr"/>
+            <a:r>
+              <a:rPr lang="pt-BR" dirty="0" smtClean="0"/>
+              <a:t>Como utilizar o </a:t>
+            </a:r>
+            <a:r>
+              <a:rPr lang="pt-BR" dirty="0" err="1" smtClean="0"/>
+              <a:t>NodeXL</a:t>
+            </a:r>
+            <a:endParaRPr lang="pt-BR" dirty="0"/>
           </a:p>
         </p:txBody>
       </p:sp>
@@ -4927,7 +4570,7 @@
             <a:spLocks noGrp="1"/>
           </p:cNvSpPr>
           <p:nvPr>
-            <p:ph sz="half" idx="1"/>
+            <p:ph idx="1"/>
           </p:nvPr>
         </p:nvSpPr>
         <p:spPr/>
@@ -4935,14 +4578,109 @@
           <a:bodyPr/>
           <a:lstStyle/>
           <a:p>
-            <a:endParaRPr lang="pt-BR"/>
+            <a:r>
+              <a:rPr lang="pt-BR" dirty="0" smtClean="0"/>
+              <a:t>O </a:t>
+            </a:r>
+            <a:r>
+              <a:rPr lang="pt-BR" dirty="0" err="1" smtClean="0"/>
+              <a:t>NodeXL</a:t>
+            </a:r>
+            <a:r>
+              <a:rPr lang="pt-BR" dirty="0" smtClean="0"/>
+              <a:t> requer o Office 2007, ou 2010 ou 2013. Outras versões como a 2008 do MAC ou anteriores a versão 2007 também não funcionam. Usuários do MAC podem utilizar o NODEXL em uma máquina virtual ou na nuvem.</a:t>
+            </a:r>
+          </a:p>
+          <a:p>
+            <a:r>
+              <a:rPr lang="pt-BR" dirty="0" smtClean="0"/>
+              <a:t>O </a:t>
+            </a:r>
+            <a:r>
+              <a:rPr lang="pt-BR" dirty="0" err="1" smtClean="0"/>
+              <a:t>NodeXL</a:t>
+            </a:r>
+            <a:r>
+              <a:rPr lang="pt-BR" dirty="0" smtClean="0"/>
+              <a:t> pode ser baixado diretamente no </a:t>
+            </a:r>
+            <a:r>
+              <a:rPr lang="pt-BR" dirty="0"/>
+              <a:t>link </a:t>
+            </a:r>
+            <a:r>
+              <a:rPr lang="pt-BR" dirty="0">
+                <a:hlinkClick r:id="rId2"/>
+              </a:rPr>
+              <a:t>https://nodexl.codeplex.com</a:t>
+            </a:r>
+            <a:r>
+              <a:rPr lang="pt-BR" dirty="0" smtClean="0">
+                <a:hlinkClick r:id="rId2"/>
+              </a:rPr>
+              <a:t>/</a:t>
+            </a:r>
+            <a:r>
+              <a:rPr lang="pt-BR" dirty="0" smtClean="0"/>
+              <a:t> na parte de DOWNLOADS, após instalado, para utiliza-lo é necessário abrir o programa pelo arquivo </a:t>
+            </a:r>
+            <a:r>
+              <a:rPr lang="pt-BR" dirty="0"/>
+              <a:t>de nome </a:t>
+            </a:r>
+            <a:r>
+              <a:rPr lang="pt-BR" dirty="0" err="1" smtClean="0"/>
+              <a:t>NodeXLGraph</a:t>
+            </a:r>
+            <a:r>
+              <a:rPr lang="pt-BR" dirty="0" smtClean="0"/>
+              <a:t> que ele gera.</a:t>
+            </a:r>
+          </a:p>
+          <a:p>
+            <a:r>
+              <a:rPr lang="pt-BR" dirty="0" smtClean="0"/>
+              <a:t>Após a instalação e abrir o arquivo é só acessar a ABA </a:t>
+            </a:r>
+            <a:r>
+              <a:rPr lang="pt-BR" dirty="0" err="1" smtClean="0"/>
+              <a:t>NodeXL</a:t>
+            </a:r>
+            <a:r>
+              <a:rPr lang="pt-BR" dirty="0" smtClean="0"/>
+              <a:t> BASIC ao lado de DESIGN, ir em </a:t>
+            </a:r>
+            <a:r>
+              <a:rPr lang="pt-BR" dirty="0" err="1" smtClean="0"/>
+              <a:t>import</a:t>
+            </a:r>
+            <a:r>
+              <a:rPr lang="pt-BR" dirty="0" smtClean="0"/>
+              <a:t> do lado direito embaixo de Arquivo. Selecionar a rede social desejada(No caso da versão </a:t>
+            </a:r>
+            <a:r>
+              <a:rPr lang="pt-BR" dirty="0" err="1" smtClean="0"/>
+              <a:t>free</a:t>
+            </a:r>
+            <a:r>
+              <a:rPr lang="pt-BR" dirty="0" smtClean="0"/>
+              <a:t>, só é possível minerar do </a:t>
+            </a:r>
+            <a:r>
+              <a:rPr lang="pt-BR" dirty="0" err="1" smtClean="0"/>
+              <a:t>Twitter</a:t>
+            </a:r>
+            <a:r>
+              <a:rPr lang="pt-BR" dirty="0" smtClean="0"/>
+              <a:t>). </a:t>
+            </a:r>
           </a:p>
         </p:txBody>
       </p:sp>
     </p:spTree>
     <p:extLst>
       <p:ext uri="{BB962C8B-B14F-4D97-AF65-F5344CB8AC3E}">
-        <p14:creationId xmlns:p14="http://schemas.microsoft.com/office/powerpoint/2010/main" val="4145261392"/>
+        <p14:creationId xmlns:p14="http://schemas.microsoft.com/office/powerpoint/2010/main" val="4268620676"/>
       </p:ext>
     </p:extLst>
   </p:cSld>
@@ -5004,19 +4742,154 @@
           <a:lstStyle/>
           <a:p>
             <a:pPr algn="ctr"/>
+            <a:r>
+              <a:rPr lang="pt-BR" dirty="0" smtClean="0"/>
+              <a:t>Como utilizar o </a:t>
+            </a:r>
+            <a:r>
+              <a:rPr lang="pt-BR" dirty="0" err="1" smtClean="0"/>
+              <a:t>NodeXL</a:t>
+            </a:r>
             <a:endParaRPr lang="pt-BR" dirty="0"/>
+          </a:p>
+        </p:txBody>
+      </p:sp>
+      <p:sp>
+        <p:nvSpPr>
+          <p:cNvPr id="3" name="Espaço Reservado para Conteúdo 2"/>
+          <p:cNvSpPr>
+            <a:spLocks noGrp="1"/>
+          </p:cNvSpPr>
+          <p:nvPr>
+            <p:ph idx="1"/>
+          </p:nvPr>
+        </p:nvSpPr>
+        <p:spPr>
+          <a:xfrm>
+            <a:off x="152400" y="1905000"/>
+            <a:ext cx="6934200" cy="4953000"/>
+          </a:xfrm>
+        </p:spPr>
+        <p:txBody>
+          <a:bodyPr>
+            <a:normAutofit/>
+          </a:bodyPr>
+          <a:lstStyle/>
+          <a:p>
+            <a:r>
+              <a:rPr lang="pt-BR" dirty="0" smtClean="0"/>
+              <a:t>O </a:t>
+            </a:r>
+            <a:r>
+              <a:rPr lang="pt-BR" dirty="0" err="1" smtClean="0"/>
+              <a:t>NodeXL</a:t>
+            </a:r>
+            <a:r>
+              <a:rPr lang="pt-BR" dirty="0" smtClean="0"/>
+              <a:t> requer o Office 2007, ou 2010 ou 2013. Outras versões como a 2008 do MAC ou anteriores a versão 2007 também não funcionam. Usuários do MAC podem utilizar o NODEXL em uma máquina virtual ou na nuvem.</a:t>
+            </a:r>
+          </a:p>
+          <a:p>
+            <a:r>
+              <a:rPr lang="pt-BR" dirty="0" smtClean="0"/>
+              <a:t>O </a:t>
+            </a:r>
+            <a:r>
+              <a:rPr lang="pt-BR" dirty="0" err="1" smtClean="0"/>
+              <a:t>NodeXL</a:t>
+            </a:r>
+            <a:r>
+              <a:rPr lang="pt-BR" dirty="0" smtClean="0"/>
+              <a:t> pode ser baixado diretamente no </a:t>
+            </a:r>
+            <a:r>
+              <a:rPr lang="pt-BR" dirty="0"/>
+              <a:t>link </a:t>
+            </a:r>
+            <a:r>
+              <a:rPr lang="pt-BR" dirty="0">
+                <a:hlinkClick r:id="rId2"/>
+              </a:rPr>
+              <a:t>https://nodexl.codeplex.com</a:t>
+            </a:r>
+            <a:r>
+              <a:rPr lang="pt-BR" dirty="0" smtClean="0">
+                <a:hlinkClick r:id="rId2"/>
+              </a:rPr>
+              <a:t>/</a:t>
+            </a:r>
+            <a:r>
+              <a:rPr lang="pt-BR" dirty="0" smtClean="0"/>
+              <a:t> na parte de DOWNLOADS, após instalado, para utiliza-lo é necessário abrir o programa pelo arquivo </a:t>
+            </a:r>
+            <a:r>
+              <a:rPr lang="pt-BR" dirty="0"/>
+              <a:t>de nome </a:t>
+            </a:r>
+            <a:r>
+              <a:rPr lang="pt-BR" dirty="0" err="1" smtClean="0"/>
+              <a:t>NodeXLGraph</a:t>
+            </a:r>
+            <a:r>
+              <a:rPr lang="pt-BR" dirty="0" smtClean="0"/>
+              <a:t> que ele gera.</a:t>
+            </a:r>
+          </a:p>
+          <a:p>
+            <a:r>
+              <a:rPr lang="pt-BR" dirty="0" smtClean="0"/>
+              <a:t>Após a instalação e abrir o arquivo é só acessar a ABA </a:t>
+            </a:r>
+            <a:r>
+              <a:rPr lang="pt-BR" dirty="0" err="1" smtClean="0"/>
+              <a:t>NodeXL</a:t>
+            </a:r>
+            <a:r>
+              <a:rPr lang="pt-BR" dirty="0" smtClean="0"/>
+              <a:t> BASIC ao lado de DESIGN, ir em </a:t>
+            </a:r>
+            <a:r>
+              <a:rPr lang="pt-BR" dirty="0" err="1" smtClean="0"/>
+              <a:t>import</a:t>
+            </a:r>
+            <a:r>
+              <a:rPr lang="pt-BR" dirty="0" smtClean="0"/>
+              <a:t> do lado direito embaixo de Arquivo. Selecionar a rede social desejada(No caso da versão </a:t>
+            </a:r>
+            <a:r>
+              <a:rPr lang="pt-BR" dirty="0" err="1" smtClean="0"/>
+              <a:t>free</a:t>
+            </a:r>
+            <a:r>
+              <a:rPr lang="pt-BR" dirty="0" smtClean="0"/>
+              <a:t>, só é possível minerar do </a:t>
+            </a:r>
+            <a:r>
+              <a:rPr lang="pt-BR" dirty="0" err="1" smtClean="0"/>
+              <a:t>Twitter</a:t>
+            </a:r>
+            <a:r>
+              <a:rPr lang="pt-BR" dirty="0" smtClean="0"/>
+              <a:t>).  E digitar o que deseja minerar do </a:t>
+            </a:r>
+            <a:r>
+              <a:rPr lang="pt-BR" dirty="0" err="1" smtClean="0"/>
+              <a:t>Twitter</a:t>
+            </a:r>
+            <a:r>
+              <a:rPr lang="pt-BR" dirty="0" smtClean="0"/>
+              <a:t> com base nos filtros disponíveis como os da imagem ao lado.</a:t>
+            </a:r>
           </a:p>
         </p:txBody>
       </p:sp>
       <p:pic>
         <p:nvPicPr>
-          <p:cNvPr id="7" name="Espaço Reservado para Conteúdo 6"/>
+          <p:cNvPr id="4" name="Imagem 3"/>
           <p:cNvPicPr>
-            <a:picLocks noGrp="1" noChangeAspect="1"/>
+            <a:picLocks noChangeAspect="1"/>
           </p:cNvPicPr>
-          <p:nvPr>
-            <p:ph sz="half" idx="1"/>
-          </p:nvPr>
+          <p:nvPr/>
         </p:nvPicPr>
         <p:blipFill>
           <a:blip r:embed="rId3"/>
@@ -5026,34 +4899,18 @@
         </p:blipFill>
         <p:spPr>
           <a:xfrm>
-            <a:off x="0" y="0"/>
-            <a:ext cx="12192000" cy="6858000"/>
+            <a:off x="7543800" y="1600200"/>
+            <a:ext cx="4176398" cy="5105400"/>
           </a:xfrm>
+          <a:prstGeom prst="rect">
+            <a:avLst/>
+          </a:prstGeom>
         </p:spPr>
       </p:pic>
-      <p:sp>
-        <p:nvSpPr>
-          <p:cNvPr id="6" name="Espaço Reservado para Conteúdo 5"/>
-          <p:cNvSpPr>
-            <a:spLocks noGrp="1"/>
-          </p:cNvSpPr>
-          <p:nvPr>
-            <p:ph sz="half" idx="2"/>
-          </p:nvPr>
-        </p:nvSpPr>
-        <p:spPr/>
-        <p:txBody>
-          <a:bodyPr/>
-          <a:lstStyle/>
-          <a:p>
-            <a:endParaRPr lang="pt-BR" dirty="0"/>
-          </a:p>
-        </p:txBody>
-      </p:sp>
     </p:spTree>
     <p:extLst>
       <p:ext uri="{BB962C8B-B14F-4D97-AF65-F5344CB8AC3E}">
-        <p14:creationId xmlns:p14="http://schemas.microsoft.com/office/powerpoint/2010/main" val="2756476819"/>
+        <p14:creationId xmlns:p14="http://schemas.microsoft.com/office/powerpoint/2010/main" val="84576127"/>
       </p:ext>
     </p:extLst>
   </p:cSld>
@@ -5111,67 +4968,103 @@
         </p:nvSpPr>
         <p:spPr>
           <a:xfrm>
-            <a:off x="1752600" y="3200400"/>
+            <a:off x="1524000" y="0"/>
             <a:ext cx="9144000" cy="1143000"/>
           </a:xfrm>
         </p:spPr>
         <p:txBody>
           <a:bodyPr>
-            <a:noAutofit/>
+            <a:normAutofit/>
           </a:bodyPr>
           <a:lstStyle/>
           <a:p>
             <a:pPr algn="ctr"/>
             <a:r>
-              <a:rPr lang="pt-BR" sz="8800" dirty="0" smtClean="0"/>
-              <a:t>Modelo Lógico</a:t>
-            </a:r>
-            <a:endParaRPr lang="pt-BR" sz="8800" dirty="0"/>
-          </a:p>
-        </p:txBody>
-      </p:sp>
-      <p:sp>
-        <p:nvSpPr>
-          <p:cNvPr id="6" name="Espaço Reservado para Conteúdo 5"/>
-          <p:cNvSpPr>
-            <a:spLocks noGrp="1"/>
-          </p:cNvSpPr>
-          <p:nvPr>
-            <p:ph sz="half" idx="2"/>
-          </p:nvPr>
-        </p:nvSpPr>
-        <p:spPr/>
+              <a:rPr lang="pt-BR" dirty="0" smtClean="0"/>
+              <a:t>Resultados</a:t>
+            </a:r>
+            <a:endParaRPr lang="pt-BR" dirty="0">
+              <a:solidFill>
+                <a:srgbClr val="333333"/>
+              </a:solidFill>
+              <a:latin typeface="Consolas"/>
+            </a:endParaRPr>
+          </a:p>
+        </p:txBody>
+      </p:sp>
+      <p:sp>
+        <p:nvSpPr>
+          <p:cNvPr id="3" name="Espaço Reservado para Conteúdo 2"/>
+          <p:cNvSpPr>
+            <a:spLocks noGrp="1"/>
+          </p:cNvSpPr>
+          <p:nvPr>
+            <p:ph idx="1"/>
+          </p:nvPr>
+        </p:nvSpPr>
+        <p:spPr>
+          <a:xfrm>
+            <a:off x="1539922" y="1447800"/>
+            <a:ext cx="9144000" cy="4267200"/>
+          </a:xfrm>
+        </p:spPr>
         <p:txBody>
           <a:bodyPr/>
           <a:lstStyle/>
           <a:p>
-            <a:endParaRPr lang="pt-BR"/>
-          </a:p>
-        </p:txBody>
-      </p:sp>
-      <p:sp>
-        <p:nvSpPr>
-          <p:cNvPr id="3" name="Espaço Reservado para Conteúdo 2"/>
-          <p:cNvSpPr>
-            <a:spLocks noGrp="1"/>
-          </p:cNvSpPr>
-          <p:nvPr>
-            <p:ph sz="half" idx="1"/>
-          </p:nvPr>
-        </p:nvSpPr>
-        <p:spPr/>
-        <p:txBody>
-          <a:bodyPr/>
-          <a:lstStyle/>
-          <a:p>
+            <a:pPr algn="ctr"/>
+            <a:r>
+              <a:rPr lang="pt-BR" dirty="0" smtClean="0"/>
+              <a:t>Após preencher e mandar minerar, o programa retorna uma base de dados com várias informações referentes aos </a:t>
+            </a:r>
+            <a:r>
+              <a:rPr lang="pt-BR" dirty="0" err="1" smtClean="0"/>
+              <a:t>tweets</a:t>
+            </a:r>
+            <a:r>
+              <a:rPr lang="pt-BR" dirty="0" smtClean="0"/>
+              <a:t>, como data, imagens, quem mandou, de onde mandou, </a:t>
+            </a:r>
+            <a:r>
+              <a:rPr lang="pt-BR" dirty="0" err="1" smtClean="0"/>
+              <a:t>Hashtags</a:t>
+            </a:r>
+            <a:r>
+              <a:rPr lang="pt-BR" dirty="0" smtClean="0"/>
+              <a:t> utilizadas, entre outras</a:t>
+            </a:r>
             <a:endParaRPr lang="pt-BR" dirty="0"/>
           </a:p>
         </p:txBody>
       </p:sp>
+      <p:pic>
+        <p:nvPicPr>
+          <p:cNvPr id="6" name="Imagem 5"/>
+          <p:cNvPicPr>
+            <a:picLocks noChangeAspect="1"/>
+          </p:cNvPicPr>
+          <p:nvPr/>
+        </p:nvPicPr>
+        <p:blipFill>
+          <a:blip r:embed="rId3"/>
+          <a:stretch>
+            <a:fillRect/>
+          </a:stretch>
+        </p:blipFill>
+        <p:spPr>
+          <a:xfrm>
+            <a:off x="2095500" y="2438400"/>
+            <a:ext cx="8001000" cy="4276725"/>
+          </a:xfrm>
+          <a:prstGeom prst="rect">
+            <a:avLst/>
+          </a:prstGeom>
+        </p:spPr>
+      </p:pic>
     </p:spTree>
     <p:extLst>
       <p:ext uri="{BB962C8B-B14F-4D97-AF65-F5344CB8AC3E}">
-        <p14:creationId xmlns:p14="http://schemas.microsoft.com/office/powerpoint/2010/main" val="875322790"/>
+        <p14:creationId xmlns:p14="http://schemas.microsoft.com/office/powerpoint/2010/main" val="2116190161"/>
       </p:ext>
     </p:extLst>
   </p:cSld>
@@ -5217,61 +5110,38 @@
           <a:chExt cx="0" cy="0"/>
         </a:xfrm>
       </p:grpSpPr>
-      <p:pic>
-        <p:nvPicPr>
-          <p:cNvPr id="3" name="Espaço Reservado para Conteúdo 2"/>
-          <p:cNvPicPr>
-            <a:picLocks noGrp="1" noChangeAspect="1"/>
-          </p:cNvPicPr>
-          <p:nvPr>
-            <p:ph sz="half" idx="2"/>
-          </p:nvPr>
-        </p:nvPicPr>
-        <p:blipFill>
-          <a:blip r:embed="rId3"/>
-          <a:stretch>
-            <a:fillRect/>
-          </a:stretch>
-        </p:blipFill>
-        <p:spPr>
-          <a:xfrm>
-            <a:off x="0" y="0"/>
-            <a:ext cx="12192000" cy="6858000"/>
-          </a:xfrm>
-        </p:spPr>
-      </p:pic>
-      <p:sp>
-        <p:nvSpPr>
-          <p:cNvPr id="4" name="Espaço Reservado para Conteúdo 3"/>
-          <p:cNvSpPr>
-            <a:spLocks noGrp="1"/>
-          </p:cNvSpPr>
-          <p:nvPr>
-            <p:ph sz="half" idx="1"/>
-          </p:nvPr>
-        </p:nvSpPr>
-        <p:spPr>
-          <a:xfrm>
-            <a:off x="638175" y="1771650"/>
-            <a:ext cx="4343400" cy="4270375"/>
-          </a:xfrm>
-        </p:spPr>
+      <p:sp>
+        <p:nvSpPr>
+          <p:cNvPr id="2" name="Título 1"/>
+          <p:cNvSpPr>
+            <a:spLocks noGrp="1"/>
+          </p:cNvSpPr>
+          <p:nvPr>
+            <p:ph type="title"/>
+          </p:nvPr>
+        </p:nvSpPr>
+        <p:spPr/>
         <p:txBody>
           <a:bodyPr/>
           <a:lstStyle/>
           <a:p>
-            <a:endParaRPr lang="pt-BR"/>
-          </a:p>
-        </p:txBody>
-      </p:sp>
-      <p:sp>
-        <p:nvSpPr>
-          <p:cNvPr id="5" name="Título 4"/>
-          <p:cNvSpPr>
-            <a:spLocks noGrp="1"/>
-          </p:cNvSpPr>
-          <p:nvPr>
-            <p:ph type="title"/>
+            <a:pPr algn="ctr"/>
+            <a:r>
+              <a:rPr lang="pt-BR" dirty="0" smtClean="0"/>
+              <a:t>Conclusão</a:t>
+            </a:r>
+            <a:endParaRPr lang="pt-BR" dirty="0"/>
+          </a:p>
+        </p:txBody>
+      </p:sp>
+      <p:sp>
+        <p:nvSpPr>
+          <p:cNvPr id="3" name="Espaço Reservado para Conteúdo 2"/>
+          <p:cNvSpPr>
+            <a:spLocks noGrp="1"/>
+          </p:cNvSpPr>
+          <p:nvPr>
+            <p:ph idx="1"/>
           </p:nvPr>
         </p:nvSpPr>
         <p:spPr/>
@@ -5279,279 +5149,26 @@
           <a:bodyPr/>
           <a:lstStyle/>
           <a:p>
-            <a:endParaRPr lang="pt-BR"/>
+            <a:r>
+              <a:rPr lang="pt-BR" dirty="0" smtClean="0"/>
+              <a:t>O </a:t>
+            </a:r>
+            <a:r>
+              <a:rPr lang="pt-BR" dirty="0" err="1" smtClean="0"/>
+              <a:t>NodeXL</a:t>
+            </a:r>
+            <a:r>
+              <a:rPr lang="pt-BR" dirty="0" smtClean="0"/>
+              <a:t> é uma ferramenta muito fácil de utilizar com uma grande variedade de recursos, onde até mesmo que nunca programou consegue fazer uma mineração eficiente de dados de redes sociais, isso tudo sem programar nem uma linha. Outro grande diferencial da ferramenta é poder analisar os dados no próprio programa, através de Grafos e estatísticas, através do programa você consegue até mesmo fazer um filtro maior dos dados do seu interesse para o banco através da junção de dados repetidos e outras opções.</a:t>
+            </a:r>
+            <a:endParaRPr lang="pt-BR" dirty="0"/>
           </a:p>
         </p:txBody>
       </p:sp>
     </p:spTree>
     <p:extLst>
       <p:ext uri="{BB962C8B-B14F-4D97-AF65-F5344CB8AC3E}">
-        <p14:creationId xmlns:p14="http://schemas.microsoft.com/office/powerpoint/2010/main" val="4209543298"/>
-      </p:ext>
-    </p:extLst>
-  </p:cSld>
-  <p:clrMapOvr>
-    <a:masterClrMapping/>
-  </p:clrMapOvr>
-  <mc:AlternateContent xmlns:mc="http://schemas.openxmlformats.org/markup-compatibility/2006" xmlns:p14="http://schemas.microsoft.com/office/powerpoint/2010/main">
-    <mc:Choice Requires="p14">
-      <p:transition spd="med" p14:dur="700">
-        <p:fade/>
-      </p:transition>
-    </mc:Choice>
-    <mc:Fallback xmlns="">
-      <p:transition spd="med">
-        <p:fade/>
-      </p:transition>
-    </mc:Fallback>
-  </mc:AlternateContent>
-  <p:timing>
-    <p:tnLst>
-      <p:par>
-        <p:cTn id="1" dur="indefinite" restart="never" nodeType="tmRoot"/>
-      </p:par>
-    </p:tnLst>
-  </p:timing>
-</p:sld>
-</file>
-
-<file path=ppt/slides/slide8.xml><?xml version="1.0" encoding="utf-8"?>
-<p:sld xmlns:a="http://schemas.openxmlformats.org/drawingml/2006/main" xmlns:r="http://schemas.openxmlformats.org/officeDocument/2006/relationships" xmlns:p="http://schemas.openxmlformats.org/presentationml/2006/main">
-  <p:cSld>
-    <p:spTree>
-      <p:nvGrpSpPr>
-        <p:cNvPr id="1" name=""/>
-        <p:cNvGrpSpPr/>
-        <p:nvPr/>
-      </p:nvGrpSpPr>
-      <p:grpSpPr>
-        <a:xfrm>
-          <a:off x="0" y="0"/>
-          <a:ext cx="0" cy="0"/>
-          <a:chOff x="0" y="0"/>
-          <a:chExt cx="0" cy="0"/>
-        </a:xfrm>
-      </p:grpSpPr>
-      <p:sp>
-        <p:nvSpPr>
-          <p:cNvPr id="2" name="Título 1"/>
-          <p:cNvSpPr>
-            <a:spLocks noGrp="1"/>
-          </p:cNvSpPr>
-          <p:nvPr>
-            <p:ph type="title"/>
-          </p:nvPr>
-        </p:nvSpPr>
-        <p:spPr/>
-        <p:txBody>
-          <a:bodyPr/>
-          <a:lstStyle/>
-          <a:p>
-            <a:pPr algn="ctr"/>
-            <a:r>
-              <a:rPr lang="pt-BR" dirty="0"/>
-              <a:t>Exemplo de Tabela Gerada pelo Modelo </a:t>
-            </a:r>
-            <a:r>
-              <a:rPr lang="pt-BR" dirty="0" err="1"/>
-              <a:t>Fisico</a:t>
-            </a:r>
-          </a:p>
-        </p:txBody>
-      </p:sp>
-      <p:pic>
-        <p:nvPicPr>
-          <p:cNvPr id="7" name="Espaço Reservado para Conteúdo 6"/>
-          <p:cNvPicPr>
-            <a:picLocks noGrp="1" noChangeAspect="1"/>
-          </p:cNvPicPr>
-          <p:nvPr>
-            <p:ph sz="half" idx="1"/>
-          </p:nvPr>
-        </p:nvPicPr>
-        <p:blipFill>
-          <a:blip r:embed="rId3"/>
-          <a:stretch>
-            <a:fillRect/>
-          </a:stretch>
-        </p:blipFill>
-        <p:spPr>
-          <a:xfrm>
-            <a:off x="1328355" y="1866900"/>
-            <a:ext cx="9628569" cy="4433809"/>
-          </a:xfrm>
-        </p:spPr>
-      </p:pic>
-      <p:sp>
-        <p:nvSpPr>
-          <p:cNvPr id="5" name="Espaço Reservado para Conteúdo 4"/>
-          <p:cNvSpPr>
-            <a:spLocks noGrp="1"/>
-          </p:cNvSpPr>
-          <p:nvPr>
-            <p:ph sz="half" idx="2"/>
-          </p:nvPr>
-        </p:nvSpPr>
-        <p:spPr/>
-        <p:txBody>
-          <a:bodyPr/>
-          <a:lstStyle/>
-          <a:p>
-            <a:endParaRPr lang="pt-BR"/>
-          </a:p>
-        </p:txBody>
-      </p:sp>
-    </p:spTree>
-    <p:extLst>
-      <p:ext uri="{BB962C8B-B14F-4D97-AF65-F5344CB8AC3E}">
-        <p14:creationId xmlns:p14="http://schemas.microsoft.com/office/powerpoint/2010/main" val="755828217"/>
-      </p:ext>
-    </p:extLst>
-  </p:cSld>
-  <p:clrMapOvr>
-    <a:masterClrMapping/>
-  </p:clrMapOvr>
-  <mc:AlternateContent xmlns:mc="http://schemas.openxmlformats.org/markup-compatibility/2006" xmlns:p14="http://schemas.microsoft.com/office/powerpoint/2010/main">
-    <mc:Choice Requires="p14">
-      <p:transition spd="med" p14:dur="700">
-        <p:fade/>
-      </p:transition>
-    </mc:Choice>
-    <mc:Fallback xmlns="">
-      <p:transition spd="med">
-        <p:fade/>
-      </p:transition>
-    </mc:Fallback>
-  </mc:AlternateContent>
-  <p:timing>
-    <p:tnLst>
-      <p:par>
-        <p:cTn id="1" dur="indefinite" restart="never" nodeType="tmRoot"/>
-      </p:par>
-    </p:tnLst>
-  </p:timing>
-</p:sld>
-</file>
-
-<file path=ppt/slides/slide9.xml><?xml version="1.0" encoding="utf-8"?>
-<p:sld xmlns:a="http://schemas.openxmlformats.org/drawingml/2006/main" xmlns:r="http://schemas.openxmlformats.org/officeDocument/2006/relationships" xmlns:p="http://schemas.openxmlformats.org/presentationml/2006/main">
-  <p:cSld>
-    <p:spTree>
-      <p:nvGrpSpPr>
-        <p:cNvPr id="1" name=""/>
-        <p:cNvGrpSpPr/>
-        <p:nvPr/>
-      </p:nvGrpSpPr>
-      <p:grpSpPr>
-        <a:xfrm>
-          <a:off x="0" y="0"/>
-          <a:ext cx="0" cy="0"/>
-          <a:chOff x="0" y="0"/>
-          <a:chExt cx="0" cy="0"/>
-        </a:xfrm>
-      </p:grpSpPr>
-      <p:sp>
-        <p:nvSpPr>
-          <p:cNvPr id="2" name="Título 1"/>
-          <p:cNvSpPr>
-            <a:spLocks noGrp="1"/>
-          </p:cNvSpPr>
-          <p:nvPr>
-            <p:ph type="title"/>
-          </p:nvPr>
-        </p:nvSpPr>
-        <p:spPr>
-          <a:xfrm>
-            <a:off x="1066800" y="457199"/>
-            <a:ext cx="10439400" cy="2130425"/>
-          </a:xfrm>
-        </p:spPr>
-        <p:txBody>
-          <a:bodyPr>
-            <a:noAutofit/>
-          </a:bodyPr>
-          <a:lstStyle/>
-          <a:p>
-            <a:pPr algn="ctr"/>
-            <a:r>
-              <a:rPr lang="pt-BR" sz="6000" dirty="0" smtClean="0"/>
-              <a:t>Principais Dificuldades Encontradas</a:t>
-            </a:r>
-            <a:endParaRPr lang="pt-BR" sz="6000" dirty="0"/>
-          </a:p>
-        </p:txBody>
-      </p:sp>
-      <p:sp>
-        <p:nvSpPr>
-          <p:cNvPr id="3" name="Espaço Reservado para Conteúdo 2"/>
-          <p:cNvSpPr>
-            <a:spLocks noGrp="1"/>
-          </p:cNvSpPr>
-          <p:nvPr>
-            <p:ph sz="half" idx="1"/>
-          </p:nvPr>
-        </p:nvSpPr>
-        <p:spPr>
-          <a:xfrm>
-            <a:off x="1671851" y="3200400"/>
-            <a:ext cx="9829800" cy="4270375"/>
-          </a:xfrm>
-        </p:spPr>
-        <p:txBody>
-          <a:bodyPr>
-            <a:noAutofit/>
-          </a:bodyPr>
-          <a:lstStyle/>
-          <a:p>
-            <a:r>
-              <a:rPr lang="pt-BR" sz="3600" dirty="0" smtClean="0"/>
-              <a:t>Implementação </a:t>
-            </a:r>
-            <a:r>
-              <a:rPr lang="pt-BR" sz="3600" dirty="0"/>
-              <a:t>do modelo </a:t>
-            </a:r>
-            <a:r>
-              <a:rPr lang="pt-BR" sz="3600" dirty="0" smtClean="0"/>
-              <a:t>lógico</a:t>
-            </a:r>
-          </a:p>
-          <a:p>
-            <a:r>
-              <a:rPr lang="pt-BR" sz="3600" dirty="0" smtClean="0"/>
-              <a:t>Instalação </a:t>
-            </a:r>
-            <a:r>
-              <a:rPr lang="pt-BR" sz="3600" dirty="0"/>
-              <a:t>e configuração do </a:t>
-            </a:r>
-            <a:r>
-              <a:rPr lang="pt-BR" sz="3600" dirty="0" err="1" smtClean="0"/>
-              <a:t>PostgreSQL</a:t>
-            </a:r>
-            <a:endParaRPr lang="pt-BR" sz="3600" dirty="0" smtClean="0"/>
-          </a:p>
-          <a:p>
-            <a:r>
-              <a:rPr lang="pt-BR" sz="3600" dirty="0" smtClean="0"/>
-              <a:t>Utilização </a:t>
-            </a:r>
-            <a:r>
-              <a:rPr lang="pt-BR" sz="3600" dirty="0"/>
-              <a:t>inicial do </a:t>
-            </a:r>
-            <a:r>
-              <a:rPr lang="pt-BR" sz="3600" dirty="0" err="1"/>
-              <a:t>Github</a:t>
-            </a:r>
-            <a:endParaRPr lang="pt-BR" sz="3600" dirty="0"/>
-          </a:p>
-        </p:txBody>
-      </p:sp>
-    </p:spTree>
-    <p:extLst>
-      <p:ext uri="{BB962C8B-B14F-4D97-AF65-F5344CB8AC3E}">
-        <p14:creationId xmlns:p14="http://schemas.microsoft.com/office/powerpoint/2010/main" val="3038669936"/>
+        <p14:creationId xmlns:p14="http://schemas.microsoft.com/office/powerpoint/2010/main" val="595112590"/>
       </p:ext>
     </p:extLst>
   </p:cSld>
@@ -6519,8 +6136,14 @@
 <file path=customXml/itemProps3.xml><?xml version="1.0" encoding="utf-8"?>
 <ds:datastoreItem xmlns:ds="http://schemas.openxmlformats.org/officeDocument/2006/customXml" ds:itemID="{F6A5BD1D-8135-42D8-ABF8-44443CA48A8B}">
   <ds:schemaRefs>
+    <ds:schemaRef ds:uri="http://www.w3.org/XML/1998/namespace"/>
     <ds:schemaRef ds:uri="http://schemas.microsoft.com/office/2006/metadata/properties"/>
+    <ds:schemaRef ds:uri="http://purl.org/dc/elements/1.1/"/>
+    <ds:schemaRef ds:uri="http://schemas.microsoft.com/office/2006/documentManagement/types"/>
+    <ds:schemaRef ds:uri="http://purl.org/dc/dcmitype/"/>
+    <ds:schemaRef ds:uri="http://schemas.openxmlformats.org/package/2006/metadata/core-properties"/>
     <ds:schemaRef ds:uri="http://schemas.microsoft.com/office/infopath/2007/PartnerControls"/>
+    <ds:schemaRef ds:uri="http://purl.org/dc/terms/"/>
   </ds:schemaRefs>
 </ds:datastoreItem>
 </file>